--- a/oneWithExclusion.pptx
+++ b/oneWithExclusion.pptx
@@ -3166,7 +3166,7 @@
           <a:lstStyle/>
           <a:p>
             <a:r>
-              <a:t>9/10</a:t>
+              <a:t>4/27</a:t>
             </a:r>
           </a:p>
         </p:txBody>
@@ -3218,7 +3218,7 @@
           <a:lstStyle/>
           <a:p>
             <a:r>
-              <a:t>5/5</a:t>
+              <a:t>6/19</a:t>
             </a:r>
           </a:p>
         </p:txBody>
@@ -3270,7 +3270,7 @@
           <a:lstStyle/>
           <a:p>
             <a:r>
-              <a:t>5/6</a:t>
+              <a:t>5/11</a:t>
             </a:r>
           </a:p>
         </p:txBody>
@@ -3322,7 +3322,7 @@
           <a:lstStyle/>
           <a:p>
             <a:r>
-              <a:t>8/9</a:t>
+              <a:t>7/10</a:t>
             </a:r>
           </a:p>
         </p:txBody>
@@ -3374,7 +3374,7 @@
           <a:lstStyle/>
           <a:p>
             <a:r>
-              <a:t>2/4</a:t>
+              <a:t>11/14</a:t>
             </a:r>
           </a:p>
         </p:txBody>
